--- a/Vending Machine.pptx
+++ b/Vending Machine.pptx
@@ -333,7 +333,7 @@
           <a:p>
             <a:fld id="{B21D09AA-4852-4BAE-9188-BAB65CDF933F}" type="datetimeFigureOut">
               <a:rPr lang="en-US" smtClean="0"/>
-              <a:t>01-Jul-20</a:t>
+              <a:t>22-Oct-22</a:t>
             </a:fld>
             <a:endParaRPr lang="en-US" dirty="0"/>
           </a:p>
@@ -684,7 +684,7 @@
           <a:p>
             <a:fld id="{B21D09AA-4852-4BAE-9188-BAB65CDF933F}" type="datetimeFigureOut">
               <a:rPr lang="en-US" smtClean="0"/>
-              <a:t>01-Jul-20</a:t>
+              <a:t>22-Oct-22</a:t>
             </a:fld>
             <a:endParaRPr lang="en-US" dirty="0"/>
           </a:p>
@@ -858,7 +858,7 @@
           <a:p>
             <a:fld id="{B21D09AA-4852-4BAE-9188-BAB65CDF933F}" type="datetimeFigureOut">
               <a:rPr lang="en-US" smtClean="0"/>
-              <a:t>01-Jul-20</a:t>
+              <a:t>22-Oct-22</a:t>
             </a:fld>
             <a:endParaRPr lang="en-US" dirty="0"/>
           </a:p>
@@ -970,7 +970,7 @@
           <a:p>
             <a:fld id="{B21D09AA-4852-4BAE-9188-BAB65CDF933F}" type="datetimeFigureOut">
               <a:rPr lang="en-US" smtClean="0"/>
-              <a:t>01-Jul-20</a:t>
+              <a:t>22-Oct-22</a:t>
             </a:fld>
             <a:endParaRPr lang="en-US" dirty="0"/>
           </a:p>
@@ -1327,7 +1327,7 @@
           <a:p>
             <a:fld id="{B21D09AA-4852-4BAE-9188-BAB65CDF933F}" type="datetimeFigureOut">
               <a:rPr lang="en-US" smtClean="0"/>
-              <a:t>01-Jul-20</a:t>
+              <a:t>22-Oct-22</a:t>
             </a:fld>
             <a:endParaRPr lang="en-US" dirty="0"/>
           </a:p>
@@ -1591,7 +1591,7 @@
           <a:p>
             <a:fld id="{B21D09AA-4852-4BAE-9188-BAB65CDF933F}" type="datetimeFigureOut">
               <a:rPr lang="en-US" smtClean="0"/>
-              <a:t>01-Jul-20</a:t>
+              <a:t>22-Oct-22</a:t>
             </a:fld>
             <a:endParaRPr lang="en-US" dirty="0"/>
           </a:p>
@@ -1952,7 +1952,7 @@
           <a:p>
             <a:fld id="{B21D09AA-4852-4BAE-9188-BAB65CDF933F}" type="datetimeFigureOut">
               <a:rPr lang="en-US" smtClean="0"/>
-              <a:t>01-Jul-20</a:t>
+              <a:t>22-Oct-22</a:t>
             </a:fld>
             <a:endParaRPr lang="en-US" dirty="0"/>
           </a:p>
@@ -2178,7 +2178,7 @@
           <a:p>
             <a:fld id="{B21D09AA-4852-4BAE-9188-BAB65CDF933F}" type="datetimeFigureOut">
               <a:rPr lang="en-US" smtClean="0"/>
-              <a:t>01-Jul-20</a:t>
+              <a:t>22-Oct-22</a:t>
             </a:fld>
             <a:endParaRPr lang="en-US" dirty="0"/>
           </a:p>
@@ -2268,7 +2268,7 @@
           <a:p>
             <a:fld id="{B21D09AA-4852-4BAE-9188-BAB65CDF933F}" type="datetimeFigureOut">
               <a:rPr lang="en-US" smtClean="0"/>
-              <a:t>01-Jul-20</a:t>
+              <a:t>22-Oct-22</a:t>
             </a:fld>
             <a:endParaRPr lang="en-US" dirty="0"/>
           </a:p>
@@ -2534,7 +2534,7 @@
           <a:p>
             <a:fld id="{B21D09AA-4852-4BAE-9188-BAB65CDF933F}" type="datetimeFigureOut">
               <a:rPr lang="en-US" smtClean="0"/>
-              <a:t>01-Jul-20</a:t>
+              <a:t>22-Oct-22</a:t>
             </a:fld>
             <a:endParaRPr lang="en-US" dirty="0"/>
           </a:p>
@@ -2761,7 +2761,7 @@
           <a:p>
             <a:fld id="{B21D09AA-4852-4BAE-9188-BAB65CDF933F}" type="datetimeFigureOut">
               <a:rPr lang="en-US" smtClean="0"/>
-              <a:t>01-Jul-20</a:t>
+              <a:t>22-Oct-22</a:t>
             </a:fld>
             <a:endParaRPr lang="en-US" dirty="0"/>
           </a:p>
@@ -3257,7 +3257,7 @@
           <a:p>
             <a:fld id="{B21D09AA-4852-4BAE-9188-BAB65CDF933F}" type="datetimeFigureOut">
               <a:rPr lang="en-US" smtClean="0"/>
-              <a:t>01-Jul-20</a:t>
+              <a:t>22-Oct-22</a:t>
             </a:fld>
             <a:endParaRPr lang="en-US" dirty="0"/>
           </a:p>
@@ -3686,7 +3686,15 @@
             <a:pPr algn="just"/>
             <a:r>
               <a:rPr lang="en-US" b="1" dirty="0"/>
-              <a:t>PREPARE BY:       AHMED BILAL         #011</a:t>
+              <a:t>PREPARE BY</a:t>
+            </a:r>
+            <a:r>
+              <a:rPr lang="en-US" b="1"/>
+              <a:t>:        AZFAR  </a:t>
+            </a:r>
+            <a:r>
+              <a:rPr lang="en-US" b="1" dirty="0"/>
+              <a:t>ASIF               #023</a:t>
             </a:r>
           </a:p>
           <a:p>
@@ -3714,7 +3722,7 @@
             <a:pPr algn="just"/>
             <a:r>
               <a:rPr lang="en-US" b="1" dirty="0"/>
-              <a:t>                               AZFAR  ASIF               #023</a:t>
+              <a:t>                               </a:t>
             </a:r>
           </a:p>
         </p:txBody>
